--- a/Assets/slides.pptx
+++ b/Assets/slides.pptx
@@ -104,6 +104,11 @@
       </a:defRPr>
     </a:lvl9pPr>
   </p:defaultTextStyle>
+  <p:extLst>
+    <p:ext uri="{EFAFB233-063F-42B5-8137-9DF3F51BA10A}">
+      <p15:sldGuideLst xmlns:p15="http://schemas.microsoft.com/office/powerpoint/2012/main"/>
+    </p:ext>
+  </p:extLst>
 </p:presentation>
 </file>
 
@@ -256,7 +261,7 @@
           <a:p>
             <a:fld id="{25DE9791-15E7-4ED6-99BD-603E4CDD11A5}" type="datetimeFigureOut">
               <a:rPr lang="en-GB" smtClean="0"/>
-              <a:t>09/02/2020</a:t>
+              <a:t>07/03/2020</a:t>
             </a:fld>
             <a:endParaRPr lang="en-GB"/>
           </a:p>
@@ -456,7 +461,7 @@
           <a:p>
             <a:fld id="{25DE9791-15E7-4ED6-99BD-603E4CDD11A5}" type="datetimeFigureOut">
               <a:rPr lang="en-GB" smtClean="0"/>
-              <a:t>09/02/2020</a:t>
+              <a:t>07/03/2020</a:t>
             </a:fld>
             <a:endParaRPr lang="en-GB"/>
           </a:p>
@@ -666,7 +671,7 @@
           <a:p>
             <a:fld id="{25DE9791-15E7-4ED6-99BD-603E4CDD11A5}" type="datetimeFigureOut">
               <a:rPr lang="en-GB" smtClean="0"/>
-              <a:t>09/02/2020</a:t>
+              <a:t>07/03/2020</a:t>
             </a:fld>
             <a:endParaRPr lang="en-GB"/>
           </a:p>
@@ -866,7 +871,7 @@
           <a:p>
             <a:fld id="{25DE9791-15E7-4ED6-99BD-603E4CDD11A5}" type="datetimeFigureOut">
               <a:rPr lang="en-GB" smtClean="0"/>
-              <a:t>09/02/2020</a:t>
+              <a:t>07/03/2020</a:t>
             </a:fld>
             <a:endParaRPr lang="en-GB"/>
           </a:p>
@@ -1142,7 +1147,7 @@
           <a:p>
             <a:fld id="{25DE9791-15E7-4ED6-99BD-603E4CDD11A5}" type="datetimeFigureOut">
               <a:rPr lang="en-GB" smtClean="0"/>
-              <a:t>09/02/2020</a:t>
+              <a:t>07/03/2020</a:t>
             </a:fld>
             <a:endParaRPr lang="en-GB"/>
           </a:p>
@@ -1410,7 +1415,7 @@
           <a:p>
             <a:fld id="{25DE9791-15E7-4ED6-99BD-603E4CDD11A5}" type="datetimeFigureOut">
               <a:rPr lang="en-GB" smtClean="0"/>
-              <a:t>09/02/2020</a:t>
+              <a:t>07/03/2020</a:t>
             </a:fld>
             <a:endParaRPr lang="en-GB"/>
           </a:p>
@@ -1825,7 +1830,7 @@
           <a:p>
             <a:fld id="{25DE9791-15E7-4ED6-99BD-603E4CDD11A5}" type="datetimeFigureOut">
               <a:rPr lang="en-GB" smtClean="0"/>
-              <a:t>09/02/2020</a:t>
+              <a:t>07/03/2020</a:t>
             </a:fld>
             <a:endParaRPr lang="en-GB"/>
           </a:p>
@@ -1967,7 +1972,7 @@
           <a:p>
             <a:fld id="{25DE9791-15E7-4ED6-99BD-603E4CDD11A5}" type="datetimeFigureOut">
               <a:rPr lang="en-GB" smtClean="0"/>
-              <a:t>09/02/2020</a:t>
+              <a:t>07/03/2020</a:t>
             </a:fld>
             <a:endParaRPr lang="en-GB"/>
           </a:p>
@@ -2080,7 +2085,7 @@
           <a:p>
             <a:fld id="{25DE9791-15E7-4ED6-99BD-603E4CDD11A5}" type="datetimeFigureOut">
               <a:rPr lang="en-GB" smtClean="0"/>
-              <a:t>09/02/2020</a:t>
+              <a:t>07/03/2020</a:t>
             </a:fld>
             <a:endParaRPr lang="en-GB"/>
           </a:p>
@@ -2393,7 +2398,7 @@
           <a:p>
             <a:fld id="{25DE9791-15E7-4ED6-99BD-603E4CDD11A5}" type="datetimeFigureOut">
               <a:rPr lang="en-GB" smtClean="0"/>
-              <a:t>09/02/2020</a:t>
+              <a:t>07/03/2020</a:t>
             </a:fld>
             <a:endParaRPr lang="en-GB"/>
           </a:p>
@@ -2682,7 +2687,7 @@
           <a:p>
             <a:fld id="{25DE9791-15E7-4ED6-99BD-603E4CDD11A5}" type="datetimeFigureOut">
               <a:rPr lang="en-GB" smtClean="0"/>
-              <a:t>09/02/2020</a:t>
+              <a:t>07/03/2020</a:t>
             </a:fld>
             <a:endParaRPr lang="en-GB"/>
           </a:p>
@@ -2925,7 +2930,7 @@
           <a:p>
             <a:fld id="{25DE9791-15E7-4ED6-99BD-603E4CDD11A5}" type="datetimeFigureOut">
               <a:rPr lang="en-GB" smtClean="0"/>
-              <a:t>09/02/2020</a:t>
+              <a:t>07/03/2020</a:t>
             </a:fld>
             <a:endParaRPr lang="en-GB"/>
           </a:p>
@@ -3344,10 +3349,10 @@
       </p:grpSpPr>
       <p:pic>
         <p:nvPicPr>
-          <p:cNvPr id="1026" name="Picture 2" descr="Afbeeldingsresultaat voor webapi">
-            <a:extLst>
-              <a:ext uri="{FF2B5EF4-FFF2-40B4-BE49-F238E27FC236}">
-                <a16:creationId xmlns:a16="http://schemas.microsoft.com/office/drawing/2014/main" id="{B5C73A31-BEC2-4374-96BC-F6C8AF5B7E49}"/>
+          <p:cNvPr id="3" name="Picture 2" descr="Afbeeldingsresultaat voor azure key vault logo">
+            <a:extLst>
+              <a:ext uri="{FF2B5EF4-FFF2-40B4-BE49-F238E27FC236}">
+                <a16:creationId xmlns:a16="http://schemas.microsoft.com/office/drawing/2014/main" id="{3EE9E360-C586-4562-BD15-FB28833B41A3}"/>
               </a:ext>
             </a:extLst>
           </p:cNvPr>
@@ -3371,8 +3376,8 @@
         </p:blipFill>
         <p:spPr bwMode="auto">
           <a:xfrm>
-            <a:off x="8296263" y="437366"/>
-            <a:ext cx="1905000" cy="1905000"/>
+            <a:off x="6133035" y="3305761"/>
+            <a:ext cx="2190750" cy="1524000"/>
           </a:xfrm>
           <a:prstGeom prst="rect">
             <a:avLst/>
@@ -3391,10 +3396,49 @@
       </p:pic>
       <p:pic>
         <p:nvPicPr>
-          <p:cNvPr id="1028" name="Picture 4">
-            <a:extLst>
-              <a:ext uri="{FF2B5EF4-FFF2-40B4-BE49-F238E27FC236}">
-                <a16:creationId xmlns:a16="http://schemas.microsoft.com/office/drawing/2014/main" id="{75ACDE1D-FF4A-4ED5-A024-95A64FFA27DC}"/>
+          <p:cNvPr id="11" name="Picture 10">
+            <a:extLst>
+              <a:ext uri="{FF2B5EF4-FFF2-40B4-BE49-F238E27FC236}">
+                <a16:creationId xmlns:a16="http://schemas.microsoft.com/office/drawing/2014/main" id="{EB1126BC-9E53-4CA0-8C09-5DEC909600FC}"/>
+              </a:ext>
+            </a:extLst>
+          </p:cNvPr>
+          <p:cNvPicPr>
+            <a:picLocks noChangeAspect="1"/>
+          </p:cNvPicPr>
+          <p:nvPr/>
+        </p:nvPicPr>
+        <p:blipFill>
+          <a:blip r:embed="rId3">
+            <a:extLst>
+              <a:ext uri="{28A0092B-C50C-407E-A947-70E740481C1C}">
+                <a14:useLocalDpi xmlns:a14="http://schemas.microsoft.com/office/drawing/2010/main" val="0"/>
+              </a:ext>
+              <a:ext uri="{837473B0-CC2E-450A-ABE3-18F120FF3D39}">
+                <a1611:picAttrSrcUrl xmlns:a1611="http://schemas.microsoft.com/office/drawing/2016/11/main" r:id="rId4"/>
+              </a:ext>
+            </a:extLst>
+          </a:blip>
+          <a:stretch>
+            <a:fillRect/>
+          </a:stretch>
+        </p:blipFill>
+        <p:spPr>
+          <a:xfrm>
+            <a:off x="10208027" y="818612"/>
+            <a:ext cx="2022383" cy="967978"/>
+          </a:xfrm>
+          <a:prstGeom prst="rect">
+            <a:avLst/>
+          </a:prstGeom>
+        </p:spPr>
+      </p:pic>
+      <p:pic>
+        <p:nvPicPr>
+          <p:cNvPr id="1026" name="Picture 2" descr="Afbeeldingsresultaat voor webapi">
+            <a:extLst>
+              <a:ext uri="{FF2B5EF4-FFF2-40B4-BE49-F238E27FC236}">
+                <a16:creationId xmlns:a16="http://schemas.microsoft.com/office/drawing/2014/main" id="{B5C73A31-BEC2-4374-96BC-F6C8AF5B7E49}"/>
               </a:ext>
             </a:extLst>
           </p:cNvPr>
@@ -3404,7 +3448,7 @@
           <p:nvPr/>
         </p:nvPicPr>
         <p:blipFill>
-          <a:blip r:embed="rId3">
+          <a:blip r:embed="rId5">
             <a:extLst>
               <a:ext uri="{28A0092B-C50C-407E-A947-70E740481C1C}">
                 <a14:useLocalDpi xmlns:a14="http://schemas.microsoft.com/office/drawing/2010/main" val="0"/>
@@ -3418,8 +3462,8 @@
         </p:blipFill>
         <p:spPr bwMode="auto">
           <a:xfrm>
-            <a:off x="2627453" y="573647"/>
-            <a:ext cx="1866900" cy="1400175"/>
+            <a:off x="6618465" y="823259"/>
+            <a:ext cx="1905000" cy="1905000"/>
           </a:xfrm>
           <a:prstGeom prst="rect">
             <a:avLst/>
@@ -3438,10 +3482,10 @@
       </p:pic>
       <p:pic>
         <p:nvPicPr>
-          <p:cNvPr id="1030" name="Picture 6" descr="Afbeeldingsresultaat voor vfd">
-            <a:extLst>
-              <a:ext uri="{FF2B5EF4-FFF2-40B4-BE49-F238E27FC236}">
-                <a16:creationId xmlns:a16="http://schemas.microsoft.com/office/drawing/2014/main" id="{AC06A90D-C90B-46FC-84B0-222CCBF9A855}"/>
+          <p:cNvPr id="1028" name="Picture 4">
+            <a:extLst>
+              <a:ext uri="{FF2B5EF4-FFF2-40B4-BE49-F238E27FC236}">
+                <a16:creationId xmlns:a16="http://schemas.microsoft.com/office/drawing/2014/main" id="{75ACDE1D-FF4A-4ED5-A024-95A64FFA27DC}"/>
               </a:ext>
             </a:extLst>
           </p:cNvPr>
@@ -3451,7 +3495,7 @@
           <p:nvPr/>
         </p:nvPicPr>
         <p:blipFill>
-          <a:blip r:embed="rId4">
+          <a:blip r:embed="rId6">
             <a:extLst>
               <a:ext uri="{28A0092B-C50C-407E-A947-70E740481C1C}">
                 <a14:useLocalDpi xmlns:a14="http://schemas.microsoft.com/office/drawing/2010/main" val="0"/>
@@ -3465,8 +3509,8 @@
         </p:blipFill>
         <p:spPr bwMode="auto">
           <a:xfrm>
-            <a:off x="2380888" y="3938428"/>
-            <a:ext cx="2503440" cy="1134636"/>
+            <a:off x="949655" y="959540"/>
+            <a:ext cx="1866900" cy="1400175"/>
           </a:xfrm>
           <a:prstGeom prst="rect">
             <a:avLst/>
@@ -3485,10 +3529,10 @@
       </p:pic>
       <p:pic>
         <p:nvPicPr>
-          <p:cNvPr id="1032" name="Picture 8">
-            <a:extLst>
-              <a:ext uri="{FF2B5EF4-FFF2-40B4-BE49-F238E27FC236}">
-                <a16:creationId xmlns:a16="http://schemas.microsoft.com/office/drawing/2014/main" id="{724DA5C1-506C-4E83-998F-E89A538F5D11}"/>
+          <p:cNvPr id="1030" name="Picture 6" descr="Afbeeldingsresultaat voor vfd">
+            <a:extLst>
+              <a:ext uri="{FF2B5EF4-FFF2-40B4-BE49-F238E27FC236}">
+                <a16:creationId xmlns:a16="http://schemas.microsoft.com/office/drawing/2014/main" id="{AC06A90D-C90B-46FC-84B0-222CCBF9A855}"/>
               </a:ext>
             </a:extLst>
           </p:cNvPr>
@@ -3498,7 +3542,7 @@
           <p:nvPr/>
         </p:nvPicPr>
         <p:blipFill>
-          <a:blip r:embed="rId5">
+          <a:blip r:embed="rId7">
             <a:extLst>
               <a:ext uri="{28A0092B-C50C-407E-A947-70E740481C1C}">
                 <a14:useLocalDpi xmlns:a14="http://schemas.microsoft.com/office/drawing/2010/main" val="0"/>
@@ -3512,8 +3556,8 @@
         </p:blipFill>
         <p:spPr bwMode="auto">
           <a:xfrm>
-            <a:off x="3101224" y="2367179"/>
-            <a:ext cx="919357" cy="919357"/>
+            <a:off x="703090" y="4324321"/>
+            <a:ext cx="2503440" cy="1134636"/>
           </a:xfrm>
           <a:prstGeom prst="rect">
             <a:avLst/>
@@ -3530,6 +3574,53 @@
           </a:extLst>
         </p:spPr>
       </p:pic>
+      <p:pic>
+        <p:nvPicPr>
+          <p:cNvPr id="1032" name="Picture 8">
+            <a:extLst>
+              <a:ext uri="{FF2B5EF4-FFF2-40B4-BE49-F238E27FC236}">
+                <a16:creationId xmlns:a16="http://schemas.microsoft.com/office/drawing/2014/main" id="{724DA5C1-506C-4E83-998F-E89A538F5D11}"/>
+              </a:ext>
+            </a:extLst>
+          </p:cNvPr>
+          <p:cNvPicPr>
+            <a:picLocks noChangeAspect="1" noChangeArrowheads="1"/>
+          </p:cNvPicPr>
+          <p:nvPr/>
+        </p:nvPicPr>
+        <p:blipFill>
+          <a:blip r:embed="rId8">
+            <a:extLst>
+              <a:ext uri="{28A0092B-C50C-407E-A947-70E740481C1C}">
+                <a14:useLocalDpi xmlns:a14="http://schemas.microsoft.com/office/drawing/2010/main" val="0"/>
+              </a:ext>
+            </a:extLst>
+          </a:blip>
+          <a:srcRect/>
+          <a:stretch>
+            <a:fillRect/>
+          </a:stretch>
+        </p:blipFill>
+        <p:spPr bwMode="auto">
+          <a:xfrm>
+            <a:off x="1423426" y="2753072"/>
+            <a:ext cx="919357" cy="919357"/>
+          </a:xfrm>
+          <a:prstGeom prst="rect">
+            <a:avLst/>
+          </a:prstGeom>
+          <a:noFill/>
+          <a:extLst>
+            <a:ext uri="{909E8E84-426E-40DD-AFC4-6F175D3DCCD1}">
+              <a14:hiddenFill xmlns:a14="http://schemas.microsoft.com/office/drawing/2010/main">
+                <a:solidFill>
+                  <a:srgbClr val="FFFFFF"/>
+                </a:solidFill>
+              </a14:hiddenFill>
+            </a:ext>
+          </a:extLst>
+        </p:spPr>
+      </p:pic>
       <p:sp>
         <p:nvSpPr>
           <p:cNvPr id="4" name="Rectangle 3">
@@ -3544,7 +3635,7 @@
         </p:nvSpPr>
         <p:spPr>
           <a:xfrm>
-            <a:off x="2958012" y="3071648"/>
+            <a:off x="1280214" y="3457541"/>
             <a:ext cx="865943" cy="276999"/>
           </a:xfrm>
           <a:prstGeom prst="rect">
@@ -3587,7 +3678,7 @@
         </p:nvCxnSpPr>
         <p:spPr>
           <a:xfrm>
-            <a:off x="3370070" y="1877893"/>
+            <a:off x="1692272" y="2263786"/>
             <a:ext cx="0" cy="696307"/>
           </a:xfrm>
           <a:prstGeom prst="straightConnector1">
@@ -3626,7 +3717,7 @@
         </p:nvSpPr>
         <p:spPr>
           <a:xfrm>
-            <a:off x="3358037" y="2097424"/>
+            <a:off x="1680239" y="2483317"/>
             <a:ext cx="389614" cy="276999"/>
           </a:xfrm>
           <a:prstGeom prst="rect">
@@ -3683,7 +3774,7 @@
         </p:nvCxnSpPr>
         <p:spPr>
           <a:xfrm>
-            <a:off x="3370070" y="3452495"/>
+            <a:off x="1692272" y="3838388"/>
             <a:ext cx="0" cy="696307"/>
           </a:xfrm>
           <a:prstGeom prst="straightConnector1">
@@ -3722,7 +3813,7 @@
         </p:nvSpPr>
         <p:spPr>
           <a:xfrm>
-            <a:off x="3358037" y="3672026"/>
+            <a:off x="1680239" y="4057919"/>
             <a:ext cx="1023132" cy="276999"/>
           </a:xfrm>
           <a:prstGeom prst="rect">
@@ -3807,7 +3898,7 @@
         </p:nvCxnSpPr>
         <p:spPr>
           <a:xfrm>
-            <a:off x="2751152" y="1399430"/>
+            <a:off x="1073354" y="1785323"/>
             <a:ext cx="0" cy="2749372"/>
           </a:xfrm>
           <a:prstGeom prst="straightConnector1">
@@ -3846,7 +3937,7 @@
         </p:nvSpPr>
         <p:spPr>
           <a:xfrm>
-            <a:off x="1799601" y="2744644"/>
+            <a:off x="121803" y="3130537"/>
             <a:ext cx="1023132" cy="276999"/>
           </a:xfrm>
           <a:prstGeom prst="rect">
@@ -3913,7 +4004,7 @@
         </p:nvCxnSpPr>
         <p:spPr>
           <a:xfrm>
-            <a:off x="4707019" y="1273734"/>
+            <a:off x="3029221" y="1659627"/>
             <a:ext cx="3514630" cy="0"/>
           </a:xfrm>
           <a:prstGeom prst="straightConnector1">
@@ -3954,7 +4045,7 @@
         </p:nvCxnSpPr>
         <p:spPr>
           <a:xfrm flipH="1" flipV="1">
-            <a:off x="4746929" y="1466083"/>
+            <a:off x="3069131" y="1851976"/>
             <a:ext cx="3474720" cy="15837"/>
           </a:xfrm>
           <a:prstGeom prst="straightConnector1">
@@ -3993,7 +4084,7 @@
         </p:nvSpPr>
         <p:spPr>
           <a:xfrm>
-            <a:off x="5489235" y="1481920"/>
+            <a:off x="3811437" y="1867813"/>
             <a:ext cx="1587426" cy="276999"/>
           </a:xfrm>
           <a:prstGeom prst="rect">
@@ -4068,7 +4159,7 @@
         </p:nvSpPr>
         <p:spPr>
           <a:xfrm>
-            <a:off x="5489235" y="995088"/>
+            <a:off x="3811437" y="1380981"/>
             <a:ext cx="903614" cy="276999"/>
           </a:xfrm>
           <a:prstGeom prst="rect">
@@ -4128,7 +4219,7 @@
         </p:nvCxnSpPr>
         <p:spPr>
           <a:xfrm>
-            <a:off x="3823955" y="1877893"/>
+            <a:off x="2146157" y="2263786"/>
             <a:ext cx="0" cy="540690"/>
           </a:xfrm>
           <a:prstGeom prst="straightConnector1">
@@ -4167,7 +4258,7 @@
         </p:nvSpPr>
         <p:spPr>
           <a:xfrm>
-            <a:off x="3821690" y="1966578"/>
+            <a:off x="2143892" y="2352471"/>
             <a:ext cx="1022734" cy="276999"/>
           </a:xfrm>
           <a:prstGeom prst="rect">
@@ -4232,7 +4323,7 @@
         </p:nvSpPr>
         <p:spPr>
           <a:xfrm>
-            <a:off x="8296263" y="2149844"/>
+            <a:off x="6618465" y="2535737"/>
             <a:ext cx="1904999" cy="276999"/>
           </a:xfrm>
           <a:prstGeom prst="rect">
@@ -4308,14 +4399,14 @@
           <p:nvPr/>
         </p:nvPicPr>
         <p:blipFill>
-          <a:blip r:embed="rId6"/>
+          <a:blip r:embed="rId9"/>
           <a:stretch>
             <a:fillRect/>
           </a:stretch>
         </p:blipFill>
         <p:spPr>
           <a:xfrm>
-            <a:off x="5296043" y="1835069"/>
+            <a:off x="3618245" y="2220962"/>
             <a:ext cx="2621889" cy="1167028"/>
           </a:xfrm>
           <a:prstGeom prst="rect">
@@ -4347,7 +4438,7 @@
         </p:nvSpPr>
         <p:spPr>
           <a:xfrm>
-            <a:off x="2466324" y="4927087"/>
+            <a:off x="788526" y="5312980"/>
             <a:ext cx="2418004" cy="276999"/>
           </a:xfrm>
           <a:prstGeom prst="rect">
@@ -4388,7 +4479,7 @@
         </p:nvSpPr>
         <p:spPr>
           <a:xfrm>
-            <a:off x="2958012" y="294220"/>
+            <a:off x="1280214" y="680113"/>
             <a:ext cx="799582" cy="276999"/>
           </a:xfrm>
           <a:prstGeom prst="rect">
@@ -4415,6 +4506,386 @@
           </a:p>
         </p:txBody>
       </p:sp>
+      <p:cxnSp>
+        <p:nvCxnSpPr>
+          <p:cNvPr id="25" name="Straight Arrow Connector 24">
+            <a:extLst>
+              <a:ext uri="{FF2B5EF4-FFF2-40B4-BE49-F238E27FC236}">
+                <a16:creationId xmlns:a16="http://schemas.microsoft.com/office/drawing/2014/main" id="{2A8A465F-B8AD-4CCB-9CF0-95283F585413}"/>
+              </a:ext>
+            </a:extLst>
+          </p:cNvPr>
+          <p:cNvCxnSpPr>
+            <a:cxnSpLocks/>
+          </p:cNvCxnSpPr>
+          <p:nvPr/>
+        </p:nvCxnSpPr>
+        <p:spPr>
+          <a:xfrm>
+            <a:off x="7307249" y="2926872"/>
+            <a:ext cx="0" cy="480664"/>
+          </a:xfrm>
+          <a:prstGeom prst="straightConnector1">
+            <a:avLst/>
+          </a:prstGeom>
+          <a:ln>
+            <a:tailEnd type="triangle"/>
+          </a:ln>
+        </p:spPr>
+        <p:style>
+          <a:lnRef idx="1">
+            <a:schemeClr val="accent1"/>
+          </a:lnRef>
+          <a:fillRef idx="0">
+            <a:schemeClr val="accent1"/>
+          </a:fillRef>
+          <a:effectRef idx="0">
+            <a:schemeClr val="accent1"/>
+          </a:effectRef>
+          <a:fontRef idx="minor">
+            <a:schemeClr val="tx1"/>
+          </a:fontRef>
+        </p:style>
+      </p:cxnSp>
+      <p:cxnSp>
+        <p:nvCxnSpPr>
+          <p:cNvPr id="28" name="Straight Arrow Connector 27">
+            <a:extLst>
+              <a:ext uri="{FF2B5EF4-FFF2-40B4-BE49-F238E27FC236}">
+                <a16:creationId xmlns:a16="http://schemas.microsoft.com/office/drawing/2014/main" id="{CDB80F1D-2777-410D-ABBA-AC57610DCA77}"/>
+              </a:ext>
+            </a:extLst>
+          </p:cNvPr>
+          <p:cNvCxnSpPr>
+            <a:cxnSpLocks/>
+          </p:cNvCxnSpPr>
+          <p:nvPr/>
+        </p:nvCxnSpPr>
+        <p:spPr>
+          <a:xfrm flipV="1">
+            <a:off x="7652596" y="2940203"/>
+            <a:ext cx="0" cy="467333"/>
+          </a:xfrm>
+          <a:prstGeom prst="straightConnector1">
+            <a:avLst/>
+          </a:prstGeom>
+          <a:ln>
+            <a:tailEnd type="triangle"/>
+          </a:ln>
+        </p:spPr>
+        <p:style>
+          <a:lnRef idx="1">
+            <a:schemeClr val="accent1"/>
+          </a:lnRef>
+          <a:fillRef idx="0">
+            <a:schemeClr val="accent1"/>
+          </a:fillRef>
+          <a:effectRef idx="0">
+            <a:schemeClr val="accent1"/>
+          </a:effectRef>
+          <a:fontRef idx="minor">
+            <a:schemeClr val="tx1"/>
+          </a:fontRef>
+        </p:style>
+      </p:cxnSp>
+      <p:sp>
+        <p:nvSpPr>
+          <p:cNvPr id="29" name="TextBox 28">
+            <a:extLst>
+              <a:ext uri="{FF2B5EF4-FFF2-40B4-BE49-F238E27FC236}">
+                <a16:creationId xmlns:a16="http://schemas.microsoft.com/office/drawing/2014/main" id="{3F61B055-23E2-44B0-9E06-1D1ED25CAB83}"/>
+              </a:ext>
+            </a:extLst>
+          </p:cNvPr>
+          <p:cNvSpPr txBox="1"/>
+          <p:nvPr/>
+        </p:nvSpPr>
+        <p:spPr>
+          <a:xfrm>
+            <a:off x="6954474" y="4884631"/>
+            <a:ext cx="1568989" cy="276999"/>
+          </a:xfrm>
+          <a:prstGeom prst="rect">
+            <a:avLst/>
+          </a:prstGeom>
+          <a:noFill/>
+        </p:spPr>
+        <p:txBody>
+          <a:bodyPr wrap="square" rtlCol="0">
+            <a:spAutoFit/>
+          </a:bodyPr>
+          <a:lstStyle>
+            <a:defPPr>
+              <a:defRPr lang="en-US"/>
+            </a:defPPr>
+            <a:lvl1pPr>
+              <a:defRPr sz="1200"/>
+            </a:lvl1pPr>
+          </a:lstStyle>
+          <a:p>
+            <a:r>
+              <a:rPr lang="nl-NL" dirty="0" err="1">
+                <a:solidFill>
+                  <a:schemeClr val="accent1">
+                    <a:lumMod val="75000"/>
+                  </a:schemeClr>
+                </a:solidFill>
+              </a:rPr>
+              <a:t>Azure</a:t>
+            </a:r>
+            <a:r>
+              <a:rPr lang="nl-NL" dirty="0">
+                <a:solidFill>
+                  <a:schemeClr val="accent1">
+                    <a:lumMod val="75000"/>
+                  </a:schemeClr>
+                </a:solidFill>
+              </a:rPr>
+              <a:t> </a:t>
+            </a:r>
+            <a:r>
+              <a:rPr lang="nl-NL" dirty="0" err="1">
+                <a:solidFill>
+                  <a:schemeClr val="accent1">
+                    <a:lumMod val="75000"/>
+                  </a:schemeClr>
+                </a:solidFill>
+              </a:rPr>
+              <a:t>KeyVault</a:t>
+            </a:r>
+            <a:endParaRPr lang="en-GB" dirty="0">
+              <a:solidFill>
+                <a:schemeClr val="accent1">
+                  <a:lumMod val="75000"/>
+                </a:schemeClr>
+              </a:solidFill>
+            </a:endParaRPr>
+          </a:p>
+        </p:txBody>
+      </p:sp>
+      <p:cxnSp>
+        <p:nvCxnSpPr>
+          <p:cNvPr id="34" name="Straight Arrow Connector 33">
+            <a:extLst>
+              <a:ext uri="{FF2B5EF4-FFF2-40B4-BE49-F238E27FC236}">
+                <a16:creationId xmlns:a16="http://schemas.microsoft.com/office/drawing/2014/main" id="{C249EF2B-4479-49D5-BCAC-CF35BD85707B}"/>
+              </a:ext>
+            </a:extLst>
+          </p:cNvPr>
+          <p:cNvCxnSpPr>
+            <a:cxnSpLocks/>
+          </p:cNvCxnSpPr>
+          <p:nvPr/>
+        </p:nvCxnSpPr>
+        <p:spPr>
+          <a:xfrm>
+            <a:off x="8540243" y="1657980"/>
+            <a:ext cx="1108745" cy="0"/>
+          </a:xfrm>
+          <a:prstGeom prst="straightConnector1">
+            <a:avLst/>
+          </a:prstGeom>
+          <a:ln>
+            <a:tailEnd type="triangle"/>
+          </a:ln>
+        </p:spPr>
+        <p:style>
+          <a:lnRef idx="1">
+            <a:schemeClr val="accent1"/>
+          </a:lnRef>
+          <a:fillRef idx="0">
+            <a:schemeClr val="accent1"/>
+          </a:fillRef>
+          <a:effectRef idx="0">
+            <a:schemeClr val="accent1"/>
+          </a:effectRef>
+          <a:fontRef idx="minor">
+            <a:schemeClr val="tx1"/>
+          </a:fontRef>
+        </p:style>
+      </p:cxnSp>
+      <p:cxnSp>
+        <p:nvCxnSpPr>
+          <p:cNvPr id="35" name="Straight Arrow Connector 34">
+            <a:extLst>
+              <a:ext uri="{FF2B5EF4-FFF2-40B4-BE49-F238E27FC236}">
+                <a16:creationId xmlns:a16="http://schemas.microsoft.com/office/drawing/2014/main" id="{44966390-9EFA-4AEE-A259-921E790F9784}"/>
+              </a:ext>
+            </a:extLst>
+          </p:cNvPr>
+          <p:cNvCxnSpPr>
+            <a:cxnSpLocks/>
+          </p:cNvCxnSpPr>
+          <p:nvPr/>
+        </p:nvCxnSpPr>
+        <p:spPr>
+          <a:xfrm flipH="1" flipV="1">
+            <a:off x="8548183" y="1850330"/>
+            <a:ext cx="1100806" cy="16418"/>
+          </a:xfrm>
+          <a:prstGeom prst="straightConnector1">
+            <a:avLst/>
+          </a:prstGeom>
+          <a:ln>
+            <a:tailEnd type="triangle"/>
+          </a:ln>
+        </p:spPr>
+        <p:style>
+          <a:lnRef idx="1">
+            <a:schemeClr val="accent1"/>
+          </a:lnRef>
+          <a:fillRef idx="0">
+            <a:schemeClr val="accent1"/>
+          </a:fillRef>
+          <a:effectRef idx="0">
+            <a:schemeClr val="accent1"/>
+          </a:effectRef>
+          <a:fontRef idx="minor">
+            <a:schemeClr val="tx1"/>
+          </a:fontRef>
+        </p:style>
+      </p:cxnSp>
+      <p:pic>
+        <p:nvPicPr>
+          <p:cNvPr id="36" name="Picture 4" descr="Afbeeldingsresultaat voor buienradar logo">
+            <a:extLst>
+              <a:ext uri="{FF2B5EF4-FFF2-40B4-BE49-F238E27FC236}">
+                <a16:creationId xmlns:a16="http://schemas.microsoft.com/office/drawing/2014/main" id="{D7181367-E8C6-4DAE-9DFC-3CE383DC9610}"/>
+              </a:ext>
+            </a:extLst>
+          </p:cNvPr>
+          <p:cNvPicPr>
+            <a:picLocks noChangeAspect="1" noChangeArrowheads="1"/>
+          </p:cNvPicPr>
+          <p:nvPr/>
+        </p:nvPicPr>
+        <p:blipFill>
+          <a:blip r:embed="rId10">
+            <a:extLst>
+              <a:ext uri="{28A0092B-C50C-407E-A947-70E740481C1C}">
+                <a14:useLocalDpi xmlns:a14="http://schemas.microsoft.com/office/drawing/2010/main" val="0"/>
+              </a:ext>
+            </a:extLst>
+          </a:blip>
+          <a:srcRect/>
+          <a:stretch>
+            <a:fillRect/>
+          </a:stretch>
+        </p:blipFill>
+        <p:spPr bwMode="auto">
+          <a:xfrm>
+            <a:off x="10558099" y="2299060"/>
+            <a:ext cx="1121093" cy="627812"/>
+          </a:xfrm>
+          <a:prstGeom prst="rect">
+            <a:avLst/>
+          </a:prstGeom>
+          <a:noFill/>
+          <a:extLst>
+            <a:ext uri="{909E8E84-426E-40DD-AFC4-6F175D3DCCD1}">
+              <a14:hiddenFill xmlns:a14="http://schemas.microsoft.com/office/drawing/2010/main">
+                <a:solidFill>
+                  <a:srgbClr val="FFFFFF"/>
+                </a:solidFill>
+              </a14:hiddenFill>
+            </a:ext>
+          </a:extLst>
+        </p:spPr>
+      </p:pic>
+      <p:pic>
+        <p:nvPicPr>
+          <p:cNvPr id="37" name="Picture 6" descr="Afbeeldingsresultaat voor tesla logo">
+            <a:extLst>
+              <a:ext uri="{FF2B5EF4-FFF2-40B4-BE49-F238E27FC236}">
+                <a16:creationId xmlns:a16="http://schemas.microsoft.com/office/drawing/2014/main" id="{D9D7FF2E-1543-43ED-A849-AA9CA69BCBD7}"/>
+              </a:ext>
+            </a:extLst>
+          </p:cNvPr>
+          <p:cNvPicPr>
+            <a:picLocks noChangeAspect="1" noChangeArrowheads="1"/>
+          </p:cNvPicPr>
+          <p:nvPr/>
+        </p:nvPicPr>
+        <p:blipFill>
+          <a:blip r:embed="rId11">
+            <a:extLst>
+              <a:ext uri="{28A0092B-C50C-407E-A947-70E740481C1C}">
+                <a14:useLocalDpi xmlns:a14="http://schemas.microsoft.com/office/drawing/2010/main" val="0"/>
+              </a:ext>
+            </a:extLst>
+          </a:blip>
+          <a:srcRect/>
+          <a:stretch>
+            <a:fillRect/>
+          </a:stretch>
+        </p:blipFill>
+        <p:spPr bwMode="auto">
+          <a:xfrm>
+            <a:off x="10208027" y="1139946"/>
+            <a:ext cx="548927" cy="518034"/>
+          </a:xfrm>
+          <a:prstGeom prst="rect">
+            <a:avLst/>
+          </a:prstGeom>
+          <a:noFill/>
+          <a:extLst>
+            <a:ext uri="{909E8E84-426E-40DD-AFC4-6F175D3DCCD1}">
+              <a14:hiddenFill xmlns:a14="http://schemas.microsoft.com/office/drawing/2010/main">
+                <a:solidFill>
+                  <a:srgbClr val="FFFFFF"/>
+                </a:solidFill>
+              </a14:hiddenFill>
+            </a:ext>
+          </a:extLst>
+        </p:spPr>
+      </p:pic>
+      <p:pic>
+        <p:nvPicPr>
+          <p:cNvPr id="38" name="Picture 8" descr="Afbeeldingsresultaat voor fitbit logo">
+            <a:extLst>
+              <a:ext uri="{FF2B5EF4-FFF2-40B4-BE49-F238E27FC236}">
+                <a16:creationId xmlns:a16="http://schemas.microsoft.com/office/drawing/2014/main" id="{7E675E62-F6A6-42C2-8BFF-D9365CFD006F}"/>
+              </a:ext>
+            </a:extLst>
+          </p:cNvPr>
+          <p:cNvPicPr>
+            <a:picLocks noChangeAspect="1" noChangeArrowheads="1"/>
+          </p:cNvPicPr>
+          <p:nvPr/>
+        </p:nvPicPr>
+        <p:blipFill>
+          <a:blip r:embed="rId12">
+            <a:extLst>
+              <a:ext uri="{28A0092B-C50C-407E-A947-70E740481C1C}">
+                <a14:useLocalDpi xmlns:a14="http://schemas.microsoft.com/office/drawing/2010/main" val="0"/>
+              </a:ext>
+            </a:extLst>
+          </a:blip>
+          <a:srcRect/>
+          <a:stretch>
+            <a:fillRect/>
+          </a:stretch>
+        </p:blipFill>
+        <p:spPr bwMode="auto">
+          <a:xfrm>
+            <a:off x="10208027" y="1866748"/>
+            <a:ext cx="1566772" cy="411367"/>
+          </a:xfrm>
+          <a:prstGeom prst="rect">
+            <a:avLst/>
+          </a:prstGeom>
+          <a:noFill/>
+          <a:extLst>
+            <a:ext uri="{909E8E84-426E-40DD-AFC4-6F175D3DCCD1}">
+              <a14:hiddenFill xmlns:a14="http://schemas.microsoft.com/office/drawing/2010/main">
+                <a:solidFill>
+                  <a:srgbClr val="FFFFFF"/>
+                </a:solidFill>
+              </a14:hiddenFill>
+            </a:ext>
+          </a:extLst>
+        </p:spPr>
+      </p:pic>
     </p:spTree>
     <p:extLst>
       <p:ext uri="{BB962C8B-B14F-4D97-AF65-F5344CB8AC3E}">
